--- a/TezaDanPopaPrezentare.pptx
+++ b/TezaDanPopaPrezentare.pptx
@@ -7,7 +7,14 @@
   <p:sldIdLst>
     <p:sldId id="256" r:id="rId2"/>
     <p:sldId id="257" r:id="rId3"/>
-    <p:sldId id="258" r:id="rId4"/>
+    <p:sldId id="259" r:id="rId4"/>
+    <p:sldId id="260" r:id="rId5"/>
+    <p:sldId id="258" r:id="rId6"/>
+    <p:sldId id="261" r:id="rId7"/>
+    <p:sldId id="262" r:id="rId8"/>
+    <p:sldId id="263" r:id="rId9"/>
+    <p:sldId id="264" r:id="rId10"/>
+    <p:sldId id="265" r:id="rId11"/>
   </p:sldIdLst>
   <p:sldSz cx="12192000" cy="6858000"/>
   <p:notesSz cx="6858000" cy="9144000"/>
@@ -106,6 +113,11 @@
       </a:defRPr>
     </a:lvl9pPr>
   </p:defaultTextStyle>
+  <p:extLst>
+    <p:ext uri="{EFAFB233-063F-42B5-8137-9DF3F51BA10A}">
+      <p15:sldGuideLst xmlns:p15="http://schemas.microsoft.com/office/powerpoint/2012/main"/>
+    </p:ext>
+  </p:extLst>
 </p:presentation>
 </file>
 
@@ -3046,6 +3058,100 @@
 </p:sld>
 </file>
 
+<file path=ppt/slides/slide10.xml><?xml version="1.0" encoding="utf-8"?>
+<p:sld xmlns:a="http://schemas.openxmlformats.org/drawingml/2006/main" xmlns:r="http://schemas.openxmlformats.org/officeDocument/2006/relationships" xmlns:p="http://schemas.openxmlformats.org/presentationml/2006/main">
+  <p:cSld>
+    <p:spTree>
+      <p:nvGrpSpPr>
+        <p:cNvPr id="1" name=""/>
+        <p:cNvGrpSpPr/>
+        <p:nvPr/>
+      </p:nvGrpSpPr>
+      <p:grpSpPr>
+        <a:xfrm>
+          <a:off x="0" y="0"/>
+          <a:ext cx="0" cy="0"/>
+          <a:chOff x="0" y="0"/>
+          <a:chExt cx="0" cy="0"/>
+        </a:xfrm>
+      </p:grpSpPr>
+      <p:sp>
+        <p:nvSpPr>
+          <p:cNvPr id="2" name="Title 1"/>
+          <p:cNvSpPr>
+            <a:spLocks noGrp="1"/>
+          </p:cNvSpPr>
+          <p:nvPr>
+            <p:ph type="title"/>
+          </p:nvPr>
+        </p:nvSpPr>
+        <p:spPr/>
+        <p:txBody>
+          <a:bodyPr/>
+          <a:lstStyle/>
+          <a:p>
+            <a:r>
+              <a:rPr lang="en-US" dirty="0" err="1" smtClean="0"/>
+              <a:t>Folosirea</a:t>
+            </a:r>
+            <a:r>
+              <a:rPr lang="en-US" dirty="0" smtClean="0"/>
+              <a:t> react-</a:t>
+            </a:r>
+            <a:r>
+              <a:rPr lang="en-US" dirty="0" err="1" smtClean="0"/>
+              <a:t>redux</a:t>
+            </a:r>
+            <a:r>
+              <a:rPr lang="en-US" dirty="0" smtClean="0"/>
+              <a:t> connect</a:t>
+            </a:r>
+            <a:endParaRPr lang="en-US" dirty="0"/>
+          </a:p>
+        </p:txBody>
+      </p:sp>
+      <p:pic>
+        <p:nvPicPr>
+          <p:cNvPr id="4" name="Content Placeholder 3"/>
+          <p:cNvPicPr>
+            <a:picLocks noGrp="1" noChangeAspect="1"/>
+          </p:cNvPicPr>
+          <p:nvPr>
+            <p:ph idx="1"/>
+          </p:nvPr>
+        </p:nvPicPr>
+        <p:blipFill>
+          <a:blip r:embed="rId2">
+            <a:extLst>
+              <a:ext uri="{28A0092B-C50C-407E-A947-70E740481C1C}">
+                <a14:useLocalDpi xmlns:a14="http://schemas.microsoft.com/office/drawing/2010/main" val="0"/>
+              </a:ext>
+            </a:extLst>
+          </a:blip>
+          <a:stretch>
+            <a:fillRect/>
+          </a:stretch>
+        </p:blipFill>
+        <p:spPr>
+          <a:xfrm>
+            <a:off x="1280517" y="1237301"/>
+            <a:ext cx="9143644" cy="5620699"/>
+          </a:xfrm>
+        </p:spPr>
+      </p:pic>
+    </p:spTree>
+    <p:extLst>
+      <p:ext uri="{BB962C8B-B14F-4D97-AF65-F5344CB8AC3E}">
+        <p14:creationId xmlns:p14="http://schemas.microsoft.com/office/powerpoint/2010/main" val="865823007"/>
+      </p:ext>
+    </p:extLst>
+  </p:cSld>
+  <p:clrMapOvr>
+    <a:masterClrMapping/>
+  </p:clrMapOvr>
+</p:sld>
+</file>
+
 <file path=ppt/slides/slide2.xml><?xml version="1.0" encoding="utf-8"?>
 <p:sld xmlns:a="http://schemas.openxmlformats.org/drawingml/2006/main" xmlns:r="http://schemas.openxmlformats.org/officeDocument/2006/relationships" xmlns:p="http://schemas.openxmlformats.org/presentationml/2006/main">
   <p:cSld>
@@ -3125,7 +3231,7 @@
         </p:blipFill>
         <p:spPr bwMode="auto">
           <a:xfrm>
-            <a:off x="5842860" y="1849485"/>
+            <a:off x="3961221" y="1848333"/>
             <a:ext cx="4441371" cy="3473382"/>
           </a:xfrm>
           <a:prstGeom prst="rect">
@@ -3166,7 +3272,7 @@
         </p:blipFill>
         <p:spPr bwMode="auto">
           <a:xfrm>
-            <a:off x="742406" y="4113437"/>
+            <a:off x="672738" y="2382652"/>
             <a:ext cx="2404745" cy="2404745"/>
           </a:xfrm>
           <a:prstGeom prst="rect">
@@ -3207,8 +3313,8 @@
         </p:blipFill>
         <p:spPr bwMode="auto">
           <a:xfrm>
-            <a:off x="4495006" y="1403130"/>
-            <a:ext cx="1162459" cy="1162459"/>
+            <a:off x="9834996" y="4305296"/>
+            <a:ext cx="1709501" cy="1709501"/>
           </a:xfrm>
           <a:prstGeom prst="rect">
             <a:avLst/>
@@ -3241,8 +3347,8 @@
         </p:blipFill>
         <p:spPr>
           <a:xfrm>
-            <a:off x="4309610" y="4286787"/>
-            <a:ext cx="1668738" cy="1899880"/>
+            <a:off x="10126272" y="767984"/>
+            <a:ext cx="1418225" cy="1614668"/>
           </a:xfrm>
           <a:prstGeom prst="rect">
             <a:avLst/>
@@ -3265,7 +3371,7 @@
         </p:blipFill>
         <p:spPr>
           <a:xfrm>
-            <a:off x="9314271" y="1560496"/>
+            <a:off x="9286331" y="3001505"/>
             <a:ext cx="2809875" cy="847725"/>
           </a:xfrm>
           <a:prstGeom prst="rect">
@@ -3310,30 +3416,198 @@
           <a:chExt cx="0" cy="0"/>
         </a:xfrm>
       </p:grpSpPr>
-      <p:sp>
-        <p:nvSpPr>
-          <p:cNvPr id="2" name="Title 1"/>
-          <p:cNvSpPr>
-            <a:spLocks noGrp="1"/>
-          </p:cNvSpPr>
-          <p:nvPr>
-            <p:ph type="title"/>
-          </p:nvPr>
-        </p:nvSpPr>
-        <p:spPr/>
-        <p:txBody>
-          <a:bodyPr/>
-          <a:lstStyle/>
-          <a:p>
-            <a:endParaRPr lang="en-US"/>
-          </a:p>
-        </p:txBody>
-      </p:sp>
       <p:pic>
         <p:nvPicPr>
-          <p:cNvPr id="4" name="Picture 12" descr="Image result for instagram logo"/>
+          <p:cNvPr id="4" name="Picture 3"/>
           <p:cNvPicPr>
-            <a:picLocks noChangeAspect="1" noChangeArrowheads="1"/>
+            <a:picLocks noChangeAspect="1"/>
+          </p:cNvPicPr>
+          <p:nvPr/>
+        </p:nvPicPr>
+        <p:blipFill>
+          <a:blip r:embed="rId2"/>
+          <a:stretch>
+            <a:fillRect/>
+          </a:stretch>
+        </p:blipFill>
+        <p:spPr>
+          <a:xfrm>
+            <a:off x="1508500" y="698271"/>
+            <a:ext cx="9301841" cy="5069984"/>
+          </a:xfrm>
+          <a:prstGeom prst="rect">
+            <a:avLst/>
+          </a:prstGeom>
+        </p:spPr>
+      </p:pic>
+    </p:spTree>
+    <p:extLst>
+      <p:ext uri="{BB962C8B-B14F-4D97-AF65-F5344CB8AC3E}">
+        <p14:creationId xmlns:p14="http://schemas.microsoft.com/office/powerpoint/2010/main" val="1439355525"/>
+      </p:ext>
+    </p:extLst>
+  </p:cSld>
+  <p:clrMapOvr>
+    <a:masterClrMapping/>
+  </p:clrMapOvr>
+  <p:timing>
+    <p:tnLst>
+      <p:par>
+        <p:cTn id="1" dur="indefinite" restart="never" nodeType="tmRoot"/>
+      </p:par>
+    </p:tnLst>
+  </p:timing>
+</p:sld>
+</file>
+
+<file path=ppt/slides/slide4.xml><?xml version="1.0" encoding="utf-8"?>
+<p:sld xmlns:a="http://schemas.openxmlformats.org/drawingml/2006/main" xmlns:r="http://schemas.openxmlformats.org/officeDocument/2006/relationships" xmlns:p="http://schemas.openxmlformats.org/presentationml/2006/main">
+  <p:cSld>
+    <p:spTree>
+      <p:nvGrpSpPr>
+        <p:cNvPr id="1" name=""/>
+        <p:cNvGrpSpPr/>
+        <p:nvPr/>
+      </p:nvGrpSpPr>
+      <p:grpSpPr>
+        <a:xfrm>
+          <a:off x="0" y="0"/>
+          <a:ext cx="0" cy="0"/>
+          <a:chOff x="0" y="0"/>
+          <a:chExt cx="0" cy="0"/>
+        </a:xfrm>
+      </p:grpSpPr>
+      <p:sp>
+        <p:nvSpPr>
+          <p:cNvPr id="2" name="Title 1"/>
+          <p:cNvSpPr>
+            <a:spLocks noGrp="1"/>
+          </p:cNvSpPr>
+          <p:nvPr>
+            <p:ph type="title"/>
+          </p:nvPr>
+        </p:nvSpPr>
+        <p:spPr/>
+        <p:txBody>
+          <a:bodyPr/>
+          <a:lstStyle/>
+          <a:p>
+            <a:r>
+              <a:rPr lang="ro-RO" dirty="0" smtClean="0"/>
+              <a:t>Bazele Redux-ului</a:t>
+            </a:r>
+            <a:endParaRPr lang="en-US" dirty="0"/>
+          </a:p>
+        </p:txBody>
+      </p:sp>
+      <p:sp>
+        <p:nvSpPr>
+          <p:cNvPr id="3" name="Content Placeholder 2"/>
+          <p:cNvSpPr>
+            <a:spLocks noGrp="1"/>
+          </p:cNvSpPr>
+          <p:nvPr>
+            <p:ph idx="1"/>
+          </p:nvPr>
+        </p:nvSpPr>
+        <p:spPr/>
+        <p:txBody>
+          <a:bodyPr/>
+          <a:lstStyle/>
+          <a:p>
+            <a:r>
+              <a:rPr lang="ro-RO" dirty="0" smtClean="0"/>
+              <a:t>Store</a:t>
+            </a:r>
+          </a:p>
+          <a:p>
+            <a:r>
+              <a:rPr lang="ro-RO" dirty="0" smtClean="0"/>
+              <a:t>Acțiuni</a:t>
+            </a:r>
+          </a:p>
+          <a:p>
+            <a:r>
+              <a:rPr lang="ro-RO" dirty="0" smtClean="0"/>
+              <a:t>Reduceri</a:t>
+            </a:r>
+          </a:p>
+          <a:p>
+            <a:endParaRPr lang="ro-RO" dirty="0"/>
+          </a:p>
+          <a:p>
+            <a:pPr marL="0" indent="0">
+              <a:buNone/>
+            </a:pPr>
+            <a:endParaRPr lang="en-US" dirty="0"/>
+          </a:p>
+        </p:txBody>
+      </p:sp>
+    </p:spTree>
+    <p:extLst>
+      <p:ext uri="{BB962C8B-B14F-4D97-AF65-F5344CB8AC3E}">
+        <p14:creationId xmlns:p14="http://schemas.microsoft.com/office/powerpoint/2010/main" val="2397418216"/>
+      </p:ext>
+    </p:extLst>
+  </p:cSld>
+  <p:clrMapOvr>
+    <a:masterClrMapping/>
+  </p:clrMapOvr>
+  <p:timing>
+    <p:tnLst>
+      <p:par>
+        <p:cTn id="1" dur="indefinite" restart="never" nodeType="tmRoot"/>
+      </p:par>
+    </p:tnLst>
+  </p:timing>
+</p:sld>
+</file>
+
+<file path=ppt/slides/slide5.xml><?xml version="1.0" encoding="utf-8"?>
+<p:sld xmlns:a="http://schemas.openxmlformats.org/drawingml/2006/main" xmlns:r="http://schemas.openxmlformats.org/officeDocument/2006/relationships" xmlns:p="http://schemas.openxmlformats.org/presentationml/2006/main">
+  <p:cSld>
+    <p:spTree>
+      <p:nvGrpSpPr>
+        <p:cNvPr id="1" name=""/>
+        <p:cNvGrpSpPr/>
+        <p:nvPr/>
+      </p:nvGrpSpPr>
+      <p:grpSpPr>
+        <a:xfrm>
+          <a:off x="0" y="0"/>
+          <a:ext cx="0" cy="0"/>
+          <a:chOff x="0" y="0"/>
+          <a:chExt cx="0" cy="0"/>
+        </a:xfrm>
+      </p:grpSpPr>
+      <p:sp>
+        <p:nvSpPr>
+          <p:cNvPr id="2" name="Title 1"/>
+          <p:cNvSpPr>
+            <a:spLocks noGrp="1"/>
+          </p:cNvSpPr>
+          <p:nvPr>
+            <p:ph type="title"/>
+          </p:nvPr>
+        </p:nvSpPr>
+        <p:spPr/>
+        <p:txBody>
+          <a:bodyPr/>
+          <a:lstStyle/>
+          <a:p>
+            <a:r>
+              <a:rPr lang="ro-RO" dirty="0" smtClean="0"/>
+              <a:t>Acțiuni</a:t>
+            </a:r>
+            <a:endParaRPr lang="en-US" dirty="0"/>
+          </a:p>
+        </p:txBody>
+      </p:sp>
+      <p:pic>
+        <p:nvPicPr>
+          <p:cNvPr id="3" name="Picture 2"/>
+          <p:cNvPicPr>
+            <a:picLocks noChangeAspect="1"/>
           </p:cNvPicPr>
           <p:nvPr/>
         </p:nvPicPr>
@@ -3345,70 +3619,18 @@
               </a:ext>
             </a:extLst>
           </a:blip>
-          <a:srcRect/>
           <a:stretch>
             <a:fillRect/>
           </a:stretch>
         </p:blipFill>
-        <p:spPr bwMode="auto">
+        <p:spPr>
           <a:xfrm>
-            <a:off x="364581" y="4955177"/>
-            <a:ext cx="1677263" cy="1677263"/>
+            <a:off x="2572244" y="988580"/>
+            <a:ext cx="7047511" cy="5869420"/>
           </a:xfrm>
           <a:prstGeom prst="rect">
             <a:avLst/>
           </a:prstGeom>
-          <a:noFill/>
-          <a:extLst>
-            <a:ext uri="{909E8E84-426E-40DD-AFC4-6F175D3DCCD1}">
-              <a14:hiddenFill xmlns:a14="http://schemas.microsoft.com/office/drawing/2010/main">
-                <a:solidFill>
-                  <a:srgbClr val="FFFFFF"/>
-                </a:solidFill>
-              </a14:hiddenFill>
-            </a:ext>
-          </a:extLst>
-        </p:spPr>
-      </p:pic>
-      <p:pic>
-        <p:nvPicPr>
-          <p:cNvPr id="5" name="Picture 14" descr="Zzsl7rmc"/>
-          <p:cNvPicPr>
-            <a:picLocks noChangeAspect="1" noChangeArrowheads="1"/>
-          </p:cNvPicPr>
-          <p:nvPr/>
-        </p:nvPicPr>
-        <p:blipFill>
-          <a:blip r:embed="rId3">
-            <a:extLst>
-              <a:ext uri="{28A0092B-C50C-407E-A947-70E740481C1C}">
-                <a14:useLocalDpi xmlns:a14="http://schemas.microsoft.com/office/drawing/2010/main" val="0"/>
-              </a:ext>
-            </a:extLst>
-          </a:blip>
-          <a:srcRect/>
-          <a:stretch>
-            <a:fillRect/>
-          </a:stretch>
-        </p:blipFill>
-        <p:spPr bwMode="auto">
-          <a:xfrm>
-            <a:off x="2424903" y="4946897"/>
-            <a:ext cx="1685543" cy="1685543"/>
-          </a:xfrm>
-          <a:prstGeom prst="rect">
-            <a:avLst/>
-          </a:prstGeom>
-          <a:noFill/>
-          <a:extLst>
-            <a:ext uri="{909E8E84-426E-40DD-AFC4-6F175D3DCCD1}">
-              <a14:hiddenFill xmlns:a14="http://schemas.microsoft.com/office/drawing/2010/main">
-                <a:solidFill>
-                  <a:srgbClr val="FFFFFF"/>
-                </a:solidFill>
-              </a14:hiddenFill>
-            </a:ext>
-          </a:extLst>
         </p:spPr>
       </p:pic>
     </p:spTree>
@@ -3428,6 +3650,378 @@
       </p:par>
     </p:tnLst>
   </p:timing>
+</p:sld>
+</file>
+
+<file path=ppt/slides/slide6.xml><?xml version="1.0" encoding="utf-8"?>
+<p:sld xmlns:a="http://schemas.openxmlformats.org/drawingml/2006/main" xmlns:r="http://schemas.openxmlformats.org/officeDocument/2006/relationships" xmlns:p="http://schemas.openxmlformats.org/presentationml/2006/main">
+  <p:cSld>
+    <p:spTree>
+      <p:nvGrpSpPr>
+        <p:cNvPr id="1" name=""/>
+        <p:cNvGrpSpPr/>
+        <p:nvPr/>
+      </p:nvGrpSpPr>
+      <p:grpSpPr>
+        <a:xfrm>
+          <a:off x="0" y="0"/>
+          <a:ext cx="0" cy="0"/>
+          <a:chOff x="0" y="0"/>
+          <a:chExt cx="0" cy="0"/>
+        </a:xfrm>
+      </p:grpSpPr>
+      <p:sp>
+        <p:nvSpPr>
+          <p:cNvPr id="2" name="Title 1"/>
+          <p:cNvSpPr>
+            <a:spLocks noGrp="1"/>
+          </p:cNvSpPr>
+          <p:nvPr>
+            <p:ph type="title"/>
+          </p:nvPr>
+        </p:nvSpPr>
+        <p:spPr/>
+        <p:txBody>
+          <a:bodyPr/>
+          <a:lstStyle/>
+          <a:p>
+            <a:r>
+              <a:rPr lang="en-US" dirty="0" smtClean="0"/>
+              <a:t>Creator de ac</a:t>
+            </a:r>
+            <a:r>
+              <a:rPr lang="ro-RO" dirty="0" smtClean="0"/>
+              <a:t>țiuni</a:t>
+            </a:r>
+            <a:endParaRPr lang="en-US" dirty="0"/>
+          </a:p>
+        </p:txBody>
+      </p:sp>
+      <p:pic>
+        <p:nvPicPr>
+          <p:cNvPr id="5" name="Picture 4"/>
+          <p:cNvPicPr>
+            <a:picLocks noChangeAspect="1"/>
+          </p:cNvPicPr>
+          <p:nvPr/>
+        </p:nvPicPr>
+        <p:blipFill>
+          <a:blip r:embed="rId2">
+            <a:extLst>
+              <a:ext uri="{28A0092B-C50C-407E-A947-70E740481C1C}">
+                <a14:useLocalDpi xmlns:a14="http://schemas.microsoft.com/office/drawing/2010/main" val="0"/>
+              </a:ext>
+            </a:extLst>
+          </a:blip>
+          <a:stretch>
+            <a:fillRect/>
+          </a:stretch>
+        </p:blipFill>
+        <p:spPr>
+          <a:xfrm>
+            <a:off x="308458" y="1095725"/>
+            <a:ext cx="5759833" cy="5167182"/>
+          </a:xfrm>
+          <a:prstGeom prst="rect">
+            <a:avLst/>
+          </a:prstGeom>
+        </p:spPr>
+      </p:pic>
+      <p:pic>
+        <p:nvPicPr>
+          <p:cNvPr id="6" name="Picture 5"/>
+          <p:cNvPicPr>
+            <a:picLocks noChangeAspect="1"/>
+          </p:cNvPicPr>
+          <p:nvPr/>
+        </p:nvPicPr>
+        <p:blipFill>
+          <a:blip r:embed="rId3">
+            <a:extLst>
+              <a:ext uri="{28A0092B-C50C-407E-A947-70E740481C1C}">
+                <a14:useLocalDpi xmlns:a14="http://schemas.microsoft.com/office/drawing/2010/main" val="0"/>
+              </a:ext>
+            </a:extLst>
+          </a:blip>
+          <a:stretch>
+            <a:fillRect/>
+          </a:stretch>
+        </p:blipFill>
+        <p:spPr>
+          <a:xfrm>
+            <a:off x="5453149" y="1172339"/>
+            <a:ext cx="6844651" cy="4946135"/>
+          </a:xfrm>
+          <a:prstGeom prst="rect">
+            <a:avLst/>
+          </a:prstGeom>
+        </p:spPr>
+      </p:pic>
+    </p:spTree>
+    <p:extLst>
+      <p:ext uri="{BB962C8B-B14F-4D97-AF65-F5344CB8AC3E}">
+        <p14:creationId xmlns:p14="http://schemas.microsoft.com/office/powerpoint/2010/main" val="1098449847"/>
+      </p:ext>
+    </p:extLst>
+  </p:cSld>
+  <p:clrMapOvr>
+    <a:masterClrMapping/>
+  </p:clrMapOvr>
+  <p:timing>
+    <p:tnLst>
+      <p:par>
+        <p:cTn id="1" dur="indefinite" restart="never" nodeType="tmRoot"/>
+      </p:par>
+    </p:tnLst>
+  </p:timing>
+</p:sld>
+</file>
+
+<file path=ppt/slides/slide7.xml><?xml version="1.0" encoding="utf-8"?>
+<p:sld xmlns:a="http://schemas.openxmlformats.org/drawingml/2006/main" xmlns:r="http://schemas.openxmlformats.org/officeDocument/2006/relationships" xmlns:p="http://schemas.openxmlformats.org/presentationml/2006/main">
+  <p:cSld>
+    <p:spTree>
+      <p:nvGrpSpPr>
+        <p:cNvPr id="1" name=""/>
+        <p:cNvGrpSpPr/>
+        <p:nvPr/>
+      </p:nvGrpSpPr>
+      <p:grpSpPr>
+        <a:xfrm>
+          <a:off x="0" y="0"/>
+          <a:ext cx="0" cy="0"/>
+          <a:chOff x="0" y="0"/>
+          <a:chExt cx="0" cy="0"/>
+        </a:xfrm>
+      </p:grpSpPr>
+      <p:sp>
+        <p:nvSpPr>
+          <p:cNvPr id="2" name="Title 1"/>
+          <p:cNvSpPr>
+            <a:spLocks noGrp="1"/>
+          </p:cNvSpPr>
+          <p:nvPr>
+            <p:ph type="title"/>
+          </p:nvPr>
+        </p:nvSpPr>
+        <p:spPr/>
+        <p:txBody>
+          <a:bodyPr/>
+          <a:lstStyle/>
+          <a:p>
+            <a:r>
+              <a:rPr lang="ro-RO" dirty="0" smtClean="0"/>
+              <a:t>Store</a:t>
+            </a:r>
+            <a:endParaRPr lang="en-US" dirty="0"/>
+          </a:p>
+        </p:txBody>
+      </p:sp>
+      <p:pic>
+        <p:nvPicPr>
+          <p:cNvPr id="5" name="Picture 4"/>
+          <p:cNvPicPr>
+            <a:picLocks noChangeAspect="1"/>
+          </p:cNvPicPr>
+          <p:nvPr/>
+        </p:nvPicPr>
+        <p:blipFill>
+          <a:blip r:embed="rId2">
+            <a:extLst>
+              <a:ext uri="{28A0092B-C50C-407E-A947-70E740481C1C}">
+                <a14:useLocalDpi xmlns:a14="http://schemas.microsoft.com/office/drawing/2010/main" val="0"/>
+              </a:ext>
+            </a:extLst>
+          </a:blip>
+          <a:stretch>
+            <a:fillRect/>
+          </a:stretch>
+        </p:blipFill>
+        <p:spPr>
+          <a:xfrm>
+            <a:off x="249381" y="821995"/>
+            <a:ext cx="12192000" cy="6292095"/>
+          </a:xfrm>
+          <a:prstGeom prst="rect">
+            <a:avLst/>
+          </a:prstGeom>
+        </p:spPr>
+      </p:pic>
+    </p:spTree>
+    <p:extLst>
+      <p:ext uri="{BB962C8B-B14F-4D97-AF65-F5344CB8AC3E}">
+        <p14:creationId xmlns:p14="http://schemas.microsoft.com/office/powerpoint/2010/main" val="660294734"/>
+      </p:ext>
+    </p:extLst>
+  </p:cSld>
+  <p:clrMapOvr>
+    <a:masterClrMapping/>
+  </p:clrMapOvr>
+</p:sld>
+</file>
+
+<file path=ppt/slides/slide8.xml><?xml version="1.0" encoding="utf-8"?>
+<p:sld xmlns:a="http://schemas.openxmlformats.org/drawingml/2006/main" xmlns:r="http://schemas.openxmlformats.org/officeDocument/2006/relationships" xmlns:p="http://schemas.openxmlformats.org/presentationml/2006/main">
+  <p:cSld>
+    <p:spTree>
+      <p:nvGrpSpPr>
+        <p:cNvPr id="1" name=""/>
+        <p:cNvGrpSpPr/>
+        <p:nvPr/>
+      </p:nvGrpSpPr>
+      <p:grpSpPr>
+        <a:xfrm>
+          <a:off x="0" y="0"/>
+          <a:ext cx="0" cy="0"/>
+          <a:chOff x="0" y="0"/>
+          <a:chExt cx="0" cy="0"/>
+        </a:xfrm>
+      </p:grpSpPr>
+      <p:sp>
+        <p:nvSpPr>
+          <p:cNvPr id="2" name="Title 1"/>
+          <p:cNvSpPr>
+            <a:spLocks noGrp="1"/>
+          </p:cNvSpPr>
+          <p:nvPr>
+            <p:ph type="title"/>
+          </p:nvPr>
+        </p:nvSpPr>
+        <p:spPr/>
+        <p:txBody>
+          <a:bodyPr/>
+          <a:lstStyle/>
+          <a:p>
+            <a:r>
+              <a:rPr lang="ro-RO" dirty="0" smtClean="0"/>
+              <a:t>Reduceri</a:t>
+            </a:r>
+            <a:endParaRPr lang="en-US" dirty="0"/>
+          </a:p>
+        </p:txBody>
+      </p:sp>
+      <p:pic>
+        <p:nvPicPr>
+          <p:cNvPr id="4" name="Content Placeholder 3"/>
+          <p:cNvPicPr>
+            <a:picLocks noGrp="1" noChangeAspect="1"/>
+          </p:cNvPicPr>
+          <p:nvPr>
+            <p:ph idx="1"/>
+          </p:nvPr>
+        </p:nvPicPr>
+        <p:blipFill>
+          <a:blip r:embed="rId2">
+            <a:extLst>
+              <a:ext uri="{28A0092B-C50C-407E-A947-70E740481C1C}">
+                <a14:useLocalDpi xmlns:a14="http://schemas.microsoft.com/office/drawing/2010/main" val="0"/>
+              </a:ext>
+            </a:extLst>
+          </a:blip>
+          <a:stretch>
+            <a:fillRect/>
+          </a:stretch>
+        </p:blipFill>
+        <p:spPr>
+          <a:xfrm>
+            <a:off x="1296784" y="1005155"/>
+            <a:ext cx="9177251" cy="6279173"/>
+          </a:xfrm>
+        </p:spPr>
+      </p:pic>
+    </p:spTree>
+    <p:extLst>
+      <p:ext uri="{BB962C8B-B14F-4D97-AF65-F5344CB8AC3E}">
+        <p14:creationId xmlns:p14="http://schemas.microsoft.com/office/powerpoint/2010/main" val="215634851"/>
+      </p:ext>
+    </p:extLst>
+  </p:cSld>
+  <p:clrMapOvr>
+    <a:masterClrMapping/>
+  </p:clrMapOvr>
+</p:sld>
+</file>
+
+<file path=ppt/slides/slide9.xml><?xml version="1.0" encoding="utf-8"?>
+<p:sld xmlns:a="http://schemas.openxmlformats.org/drawingml/2006/main" xmlns:r="http://schemas.openxmlformats.org/officeDocument/2006/relationships" xmlns:p="http://schemas.openxmlformats.org/presentationml/2006/main">
+  <p:cSld>
+    <p:spTree>
+      <p:nvGrpSpPr>
+        <p:cNvPr id="1" name=""/>
+        <p:cNvGrpSpPr/>
+        <p:nvPr/>
+      </p:nvGrpSpPr>
+      <p:grpSpPr>
+        <a:xfrm>
+          <a:off x="0" y="0"/>
+          <a:ext cx="0" cy="0"/>
+          <a:chOff x="0" y="0"/>
+          <a:chExt cx="0" cy="0"/>
+        </a:xfrm>
+      </p:grpSpPr>
+      <p:sp>
+        <p:nvSpPr>
+          <p:cNvPr id="2" name="Title 1"/>
+          <p:cNvSpPr>
+            <a:spLocks noGrp="1"/>
+          </p:cNvSpPr>
+          <p:nvPr>
+            <p:ph type="title"/>
+          </p:nvPr>
+        </p:nvSpPr>
+        <p:spPr/>
+        <p:txBody>
+          <a:bodyPr/>
+          <a:lstStyle/>
+          <a:p>
+            <a:r>
+              <a:rPr lang="ro-RO" dirty="0" smtClean="0"/>
+              <a:t>React-redux</a:t>
+            </a:r>
+            <a:endParaRPr lang="en-US" dirty="0"/>
+          </a:p>
+        </p:txBody>
+      </p:sp>
+      <p:pic>
+        <p:nvPicPr>
+          <p:cNvPr id="4" name="Picture 3"/>
+          <p:cNvPicPr>
+            <a:picLocks noChangeAspect="1"/>
+          </p:cNvPicPr>
+          <p:nvPr/>
+        </p:nvPicPr>
+        <p:blipFill>
+          <a:blip r:embed="rId2">
+            <a:extLst>
+              <a:ext uri="{28A0092B-C50C-407E-A947-70E740481C1C}">
+                <a14:useLocalDpi xmlns:a14="http://schemas.microsoft.com/office/drawing/2010/main" val="0"/>
+              </a:ext>
+            </a:extLst>
+          </a:blip>
+          <a:stretch>
+            <a:fillRect/>
+          </a:stretch>
+        </p:blipFill>
+        <p:spPr>
+          <a:xfrm>
+            <a:off x="2798445" y="1027906"/>
+            <a:ext cx="6229350" cy="5314950"/>
+          </a:xfrm>
+          <a:prstGeom prst="rect">
+            <a:avLst/>
+          </a:prstGeom>
+        </p:spPr>
+      </p:pic>
+    </p:spTree>
+    <p:extLst>
+      <p:ext uri="{BB962C8B-B14F-4D97-AF65-F5344CB8AC3E}">
+        <p14:creationId xmlns:p14="http://schemas.microsoft.com/office/powerpoint/2010/main" val="1482532391"/>
+      </p:ext>
+    </p:extLst>
+  </p:cSld>
+  <p:clrMapOvr>
+    <a:masterClrMapping/>
+  </p:clrMapOvr>
 </p:sld>
 </file>
 
